--- a/help session/week9/week9_os.pptx
+++ b/help session/week9/week9_os.pptx
@@ -221,7 +221,7 @@
           <a:p>
             <a:fld id="{4D7E51A5-B478-1E40-8CBB-0DAA8831E99D}" type="datetimeFigureOut">
               <a:rPr lang="en-US" smtClean="0"/>
-              <a:t>10/19/20</a:t>
+              <a:t>10/25/20</a:t>
             </a:fld>
             <a:endParaRPr lang="en-US"/>
           </a:p>
@@ -386,7 +386,7 @@
           <a:p>
             <a:fld id="{D0ED587F-861E-6740-9643-E3DDAE89B8D6}" type="datetimeFigureOut">
               <a:rPr lang="en-US" smtClean="0"/>
-              <a:t>10/19/20</a:t>
+              <a:t>10/25/20</a:t>
             </a:fld>
             <a:endParaRPr lang="en-US"/>
           </a:p>
@@ -7541,7 +7541,7 @@
         <p:spPr>
           <a:xfrm>
             <a:off x="628073" y="1463722"/>
-            <a:ext cx="12561453" cy="5682145"/>
+            <a:ext cx="12561453" cy="6181372"/>
           </a:xfrm>
         </p:spPr>
         <p:txBody>
@@ -7639,15 +7639,7 @@
             <a:pPr lvl="3"/>
             <a:r>
               <a:rPr lang="en-US" dirty="0"/>
-              <a:t>Third –</a:t>
-            </a:r>
-            <a:r>
-              <a:rPr lang="en-US" dirty="0" err="1"/>
-              <a:t>hree</a:t>
-            </a:r>
-            <a:r>
-              <a:rPr lang="en-US" dirty="0"/>
-              <a:t> – r-x – the world can read and execute (if they know where to look..)</a:t>
+              <a:t>Third three – r-x – the world can read and execute (if they know where to look..)</a:t>
             </a:r>
           </a:p>
           <a:p>
